--- a/Apresentacao.pptx
+++ b/Apresentacao.pptx
@@ -203,7 +203,7 @@
               <a:cs typeface="+mn-cs"/>
             </a:defRPr>
           </a:pPr>
-          <a:endParaRPr lang="en-US"/>
+          <a:endParaRPr lang="pt-PT"/>
         </a:p>
       </c:txPr>
     </c:title>
@@ -254,7 +254,7 @@
                     <a:cs typeface="+mn-cs"/>
                   </a:defRPr>
                 </a:pPr>
-                <a:endParaRPr lang="en-US"/>
+                <a:endParaRPr lang="pt-PT"/>
               </a:p>
             </c:txPr>
             <c:dLblPos val="outEnd"/>
@@ -410,7 +410,7 @@
                   <a:cs typeface="+mn-cs"/>
                 </a:defRPr>
               </a:pPr>
-              <a:endParaRPr lang="en-US"/>
+              <a:endParaRPr lang="pt-PT"/>
             </a:p>
           </c:txPr>
         </c:title>
@@ -448,7 +448,7 @@
                 <a:cs typeface="+mn-cs"/>
               </a:defRPr>
             </a:pPr>
-            <a:endParaRPr lang="en-US"/>
+            <a:endParaRPr lang="pt-PT"/>
           </a:p>
         </c:txPr>
         <c:crossAx val="616005807"/>
@@ -530,7 +530,7 @@
                   <a:cs typeface="+mn-cs"/>
                 </a:defRPr>
               </a:pPr>
-              <a:endParaRPr lang="en-US"/>
+              <a:endParaRPr lang="pt-PT"/>
             </a:p>
           </c:txPr>
         </c:title>
@@ -562,7 +562,7 @@
                 <a:cs typeface="+mn-cs"/>
               </a:defRPr>
             </a:pPr>
-            <a:endParaRPr lang="en-US"/>
+            <a:endParaRPr lang="pt-PT"/>
           </a:p>
         </c:txPr>
         <c:crossAx val="616005391"/>
@@ -595,7 +595,7 @@
       <a:pPr>
         <a:defRPr/>
       </a:pPr>
-      <a:endParaRPr lang="en-US"/>
+      <a:endParaRPr lang="pt-PT"/>
     </a:p>
   </c:txPr>
   <c:externalData r:id="rId3">
@@ -674,7 +674,7 @@
               <a:cs typeface="+mn-cs"/>
             </a:defRPr>
           </a:pPr>
-          <a:endParaRPr lang="en-US"/>
+          <a:endParaRPr lang="pt-PT"/>
         </a:p>
       </c:txPr>
     </c:title>
@@ -736,7 +736,7 @@
                     <a:cs typeface="+mn-cs"/>
                   </a:defRPr>
                 </a:pPr>
-                <a:endParaRPr lang="en-US"/>
+                <a:endParaRPr lang="pt-PT"/>
               </a:p>
             </c:txPr>
             <c:dLblPos val="outEnd"/>
@@ -897,7 +897,7 @@
                   <a:cs typeface="+mn-cs"/>
                 </a:defRPr>
               </a:pPr>
-              <a:endParaRPr lang="en-US"/>
+              <a:endParaRPr lang="pt-PT"/>
             </a:p>
           </c:txPr>
         </c:title>
@@ -935,7 +935,7 @@
                 <a:cs typeface="+mn-cs"/>
               </a:defRPr>
             </a:pPr>
-            <a:endParaRPr lang="en-US"/>
+            <a:endParaRPr lang="pt-PT"/>
           </a:p>
         </c:txPr>
         <c:crossAx val="626367615"/>
@@ -1017,7 +1017,7 @@
                   <a:cs typeface="+mn-cs"/>
                 </a:defRPr>
               </a:pPr>
-              <a:endParaRPr lang="en-US"/>
+              <a:endParaRPr lang="pt-PT"/>
             </a:p>
           </c:txPr>
         </c:title>
@@ -1049,7 +1049,7 @@
                 <a:cs typeface="+mn-cs"/>
               </a:defRPr>
             </a:pPr>
-            <a:endParaRPr lang="en-US"/>
+            <a:endParaRPr lang="pt-PT"/>
           </a:p>
         </c:txPr>
         <c:crossAx val="626367199"/>
@@ -1082,7 +1082,7 @@
       <a:pPr>
         <a:defRPr/>
       </a:pPr>
-      <a:endParaRPr lang="en-US"/>
+      <a:endParaRPr lang="pt-PT"/>
     </a:p>
   </c:txPr>
   <c:externalData r:id="rId3">
@@ -1747,7 +1747,7 @@
                   <a:cs typeface="+mn-cs"/>
                 </a:defRPr>
               </a:pPr>
-              <a:endParaRPr lang="en-US"/>
+              <a:endParaRPr lang="pt-PT"/>
             </a:p>
           </c:txPr>
         </c:title>
@@ -1785,7 +1785,7 @@
                 <a:cs typeface="+mn-cs"/>
               </a:defRPr>
             </a:pPr>
-            <a:endParaRPr lang="en-US"/>
+            <a:endParaRPr lang="pt-PT"/>
           </a:p>
         </c:txPr>
         <c:crossAx val="618726767"/>
@@ -1864,7 +1864,7 @@
                   <a:cs typeface="+mn-cs"/>
                 </a:defRPr>
               </a:pPr>
-              <a:endParaRPr lang="en-US"/>
+              <a:endParaRPr lang="pt-PT"/>
             </a:p>
           </c:txPr>
         </c:title>
@@ -1902,7 +1902,7 @@
                 <a:cs typeface="+mn-cs"/>
               </a:defRPr>
             </a:pPr>
-            <a:endParaRPr lang="en-US"/>
+            <a:endParaRPr lang="pt-PT"/>
           </a:p>
         </c:txPr>
         <c:crossAx val="618728431"/>
@@ -1942,7 +1942,7 @@
       <a:pPr>
         <a:defRPr/>
       </a:pPr>
-      <a:endParaRPr lang="en-US"/>
+      <a:endParaRPr lang="pt-PT"/>
     </a:p>
   </c:txPr>
   <c:externalData r:id="rId3">
@@ -2022,7 +2022,7 @@
               <a:cs typeface="+mn-cs"/>
             </a:defRPr>
           </a:pPr>
-          <a:endParaRPr lang="en-US"/>
+          <a:endParaRPr lang="pt-PT"/>
         </a:p>
       </c:txPr>
     </c:title>
@@ -2073,7 +2073,7 @@
                     <a:cs typeface="+mn-cs"/>
                   </a:defRPr>
                 </a:pPr>
-                <a:endParaRPr lang="en-US"/>
+                <a:endParaRPr lang="pt-PT"/>
               </a:p>
             </c:txPr>
             <c:dLblPos val="outEnd"/>
@@ -2229,7 +2229,7 @@
                   <a:cs typeface="+mn-cs"/>
                 </a:defRPr>
               </a:pPr>
-              <a:endParaRPr lang="en-US"/>
+              <a:endParaRPr lang="pt-PT"/>
             </a:p>
           </c:txPr>
         </c:title>
@@ -2267,7 +2267,7 @@
                 <a:cs typeface="+mn-cs"/>
               </a:defRPr>
             </a:pPr>
-            <a:endParaRPr lang="en-US"/>
+            <a:endParaRPr lang="pt-PT"/>
           </a:p>
         </c:txPr>
         <c:crossAx val="614485439"/>
@@ -2349,7 +2349,7 @@
                   <a:cs typeface="+mn-cs"/>
                 </a:defRPr>
               </a:pPr>
-              <a:endParaRPr lang="en-US"/>
+              <a:endParaRPr lang="pt-PT"/>
             </a:p>
           </c:txPr>
         </c:title>
@@ -2381,7 +2381,7 @@
                 <a:cs typeface="+mn-cs"/>
               </a:defRPr>
             </a:pPr>
-            <a:endParaRPr lang="en-US"/>
+            <a:endParaRPr lang="pt-PT"/>
           </a:p>
         </c:txPr>
         <c:crossAx val="172563295"/>
@@ -2414,7 +2414,7 @@
       <a:pPr>
         <a:defRPr/>
       </a:pPr>
-      <a:endParaRPr lang="en-US"/>
+      <a:endParaRPr lang="pt-PT"/>
     </a:p>
   </c:txPr>
   <c:externalData r:id="rId3">
@@ -2494,7 +2494,7 @@
               <a:cs typeface="+mn-cs"/>
             </a:defRPr>
           </a:pPr>
-          <a:endParaRPr lang="en-US"/>
+          <a:endParaRPr lang="pt-PT"/>
         </a:p>
       </c:txPr>
     </c:title>
@@ -2545,7 +2545,7 @@
                     <a:cs typeface="+mn-cs"/>
                   </a:defRPr>
                 </a:pPr>
-                <a:endParaRPr lang="en-US"/>
+                <a:endParaRPr lang="pt-PT"/>
               </a:p>
             </c:txPr>
             <c:dLblPos val="outEnd"/>
@@ -2701,7 +2701,7 @@
                   <a:cs typeface="+mn-cs"/>
                 </a:defRPr>
               </a:pPr>
-              <a:endParaRPr lang="en-US"/>
+              <a:endParaRPr lang="pt-PT"/>
             </a:p>
           </c:txPr>
         </c:title>
@@ -2739,7 +2739,7 @@
                 <a:cs typeface="+mn-cs"/>
               </a:defRPr>
             </a:pPr>
-            <a:endParaRPr lang="en-US"/>
+            <a:endParaRPr lang="pt-PT"/>
           </a:p>
         </c:txPr>
         <c:crossAx val="627676143"/>
@@ -2821,7 +2821,7 @@
                   <a:cs typeface="+mn-cs"/>
                 </a:defRPr>
               </a:pPr>
-              <a:endParaRPr lang="en-US"/>
+              <a:endParaRPr lang="pt-PT"/>
             </a:p>
           </c:txPr>
         </c:title>
@@ -2853,7 +2853,7 @@
                 <a:cs typeface="+mn-cs"/>
               </a:defRPr>
             </a:pPr>
-            <a:endParaRPr lang="en-US"/>
+            <a:endParaRPr lang="pt-PT"/>
           </a:p>
         </c:txPr>
         <c:crossAx val="627675727"/>
@@ -2886,7 +2886,7 @@
       <a:pPr>
         <a:defRPr/>
       </a:pPr>
-      <a:endParaRPr lang="en-US"/>
+      <a:endParaRPr lang="pt-PT"/>
     </a:p>
   </c:txPr>
   <c:externalData r:id="rId3">
@@ -2965,7 +2965,7 @@
               <a:cs typeface="+mn-cs"/>
             </a:defRPr>
           </a:pPr>
-          <a:endParaRPr lang="en-US"/>
+          <a:endParaRPr lang="pt-PT"/>
         </a:p>
       </c:txPr>
     </c:title>
@@ -3016,7 +3016,7 @@
                     <a:cs typeface="+mn-cs"/>
                   </a:defRPr>
                 </a:pPr>
-                <a:endParaRPr lang="en-US"/>
+                <a:endParaRPr lang="pt-PT"/>
               </a:p>
             </c:txPr>
             <c:dLblPos val="outEnd"/>
@@ -3172,7 +3172,7 @@
                   <a:cs typeface="+mn-cs"/>
                 </a:defRPr>
               </a:pPr>
-              <a:endParaRPr lang="en-US"/>
+              <a:endParaRPr lang="pt-PT"/>
             </a:p>
           </c:txPr>
         </c:title>
@@ -3210,7 +3210,7 @@
                 <a:cs typeface="+mn-cs"/>
               </a:defRPr>
             </a:pPr>
-            <a:endParaRPr lang="en-US"/>
+            <a:endParaRPr lang="pt-PT"/>
           </a:p>
         </c:txPr>
         <c:crossAx val="512461136"/>
@@ -3292,7 +3292,7 @@
                   <a:cs typeface="+mn-cs"/>
                 </a:defRPr>
               </a:pPr>
-              <a:endParaRPr lang="en-US"/>
+              <a:endParaRPr lang="pt-PT"/>
             </a:p>
           </c:txPr>
         </c:title>
@@ -3324,7 +3324,7 @@
                 <a:cs typeface="+mn-cs"/>
               </a:defRPr>
             </a:pPr>
-            <a:endParaRPr lang="en-US"/>
+            <a:endParaRPr lang="pt-PT"/>
           </a:p>
         </c:txPr>
         <c:crossAx val="512461968"/>
@@ -3357,7 +3357,7 @@
       <a:pPr>
         <a:defRPr/>
       </a:pPr>
-      <a:endParaRPr lang="en-US"/>
+      <a:endParaRPr lang="pt-PT"/>
     </a:p>
   </c:txPr>
   <c:externalData r:id="rId3">
@@ -3441,7 +3441,7 @@
               <a:cs typeface="+mn-cs"/>
             </a:defRPr>
           </a:pPr>
-          <a:endParaRPr lang="en-US"/>
+          <a:endParaRPr lang="pt-PT"/>
         </a:p>
       </c:txPr>
     </c:title>
@@ -3492,7 +3492,7 @@
                     <a:cs typeface="+mn-cs"/>
                   </a:defRPr>
                 </a:pPr>
-                <a:endParaRPr lang="en-US"/>
+                <a:endParaRPr lang="pt-PT"/>
               </a:p>
             </c:txPr>
             <c:dLblPos val="outEnd"/>
@@ -3648,7 +3648,7 @@
                   <a:cs typeface="+mn-cs"/>
                 </a:defRPr>
               </a:pPr>
-              <a:endParaRPr lang="en-US"/>
+              <a:endParaRPr lang="pt-PT"/>
             </a:p>
           </c:txPr>
         </c:title>
@@ -3686,7 +3686,7 @@
                 <a:cs typeface="+mn-cs"/>
               </a:defRPr>
             </a:pPr>
-            <a:endParaRPr lang="en-US"/>
+            <a:endParaRPr lang="pt-PT"/>
           </a:p>
         </c:txPr>
         <c:crossAx val="601713696"/>
@@ -3781,7 +3781,7 @@
                   <a:cs typeface="+mn-cs"/>
                 </a:defRPr>
               </a:pPr>
-              <a:endParaRPr lang="en-US"/>
+              <a:endParaRPr lang="pt-PT"/>
             </a:p>
           </c:txPr>
         </c:title>
@@ -3813,7 +3813,7 @@
                 <a:cs typeface="+mn-cs"/>
               </a:defRPr>
             </a:pPr>
-            <a:endParaRPr lang="en-US"/>
+            <a:endParaRPr lang="pt-PT"/>
           </a:p>
         </c:txPr>
         <c:crossAx val="601692896"/>
@@ -3846,7 +3846,7 @@
       <a:pPr>
         <a:defRPr/>
       </a:pPr>
-      <a:endParaRPr lang="en-US"/>
+      <a:endParaRPr lang="pt-PT"/>
     </a:p>
   </c:txPr>
   <c:externalData r:id="rId3">
@@ -3930,7 +3930,7 @@
               <a:cs typeface="+mn-cs"/>
             </a:defRPr>
           </a:pPr>
-          <a:endParaRPr lang="en-US"/>
+          <a:endParaRPr lang="pt-PT"/>
         </a:p>
       </c:txPr>
     </c:title>
@@ -3981,7 +3981,7 @@
                     <a:cs typeface="+mn-cs"/>
                   </a:defRPr>
                 </a:pPr>
-                <a:endParaRPr lang="en-US"/>
+                <a:endParaRPr lang="pt-PT"/>
               </a:p>
             </c:txPr>
             <c:dLblPos val="outEnd"/>
@@ -4137,7 +4137,7 @@
                   <a:cs typeface="+mn-cs"/>
                 </a:defRPr>
               </a:pPr>
-              <a:endParaRPr lang="en-US"/>
+              <a:endParaRPr lang="pt-PT"/>
             </a:p>
           </c:txPr>
         </c:title>
@@ -4175,7 +4175,7 @@
                 <a:cs typeface="+mn-cs"/>
               </a:defRPr>
             </a:pPr>
-            <a:endParaRPr lang="en-US"/>
+            <a:endParaRPr lang="pt-PT"/>
           </a:p>
         </c:txPr>
         <c:crossAx val="601718272"/>
@@ -4262,7 +4262,7 @@
                   <a:cs typeface="+mn-cs"/>
                 </a:defRPr>
               </a:pPr>
-              <a:endParaRPr lang="en-US"/>
+              <a:endParaRPr lang="pt-PT"/>
             </a:p>
           </c:txPr>
         </c:title>
@@ -4294,7 +4294,7 @@
                 <a:cs typeface="+mn-cs"/>
               </a:defRPr>
             </a:pPr>
-            <a:endParaRPr lang="en-US"/>
+            <a:endParaRPr lang="pt-PT"/>
           </a:p>
         </c:txPr>
         <c:crossAx val="601724096"/>
@@ -4327,7 +4327,7 @@
       <a:pPr>
         <a:defRPr/>
       </a:pPr>
-      <a:endParaRPr lang="en-US"/>
+      <a:endParaRPr lang="pt-PT"/>
     </a:p>
   </c:txPr>
   <c:externalData r:id="rId3">
@@ -4406,7 +4406,7 @@
               <a:cs typeface="+mn-cs"/>
             </a:defRPr>
           </a:pPr>
-          <a:endParaRPr lang="en-US"/>
+          <a:endParaRPr lang="pt-PT"/>
         </a:p>
       </c:txPr>
     </c:title>
@@ -4457,7 +4457,7 @@
                     <a:cs typeface="+mn-cs"/>
                   </a:defRPr>
                 </a:pPr>
-                <a:endParaRPr lang="en-US"/>
+                <a:endParaRPr lang="pt-PT"/>
               </a:p>
             </c:txPr>
             <c:dLblPos val="outEnd"/>
@@ -4618,7 +4618,7 @@
                   <a:cs typeface="+mn-cs"/>
                 </a:defRPr>
               </a:pPr>
-              <a:endParaRPr lang="en-US"/>
+              <a:endParaRPr lang="pt-PT"/>
             </a:p>
           </c:txPr>
         </c:title>
@@ -4656,7 +4656,7 @@
                 <a:cs typeface="+mn-cs"/>
               </a:defRPr>
             </a:pPr>
-            <a:endParaRPr lang="en-US"/>
+            <a:endParaRPr lang="pt-PT"/>
           </a:p>
         </c:txPr>
         <c:crossAx val="601719936"/>
@@ -4743,7 +4743,7 @@
                   <a:cs typeface="+mn-cs"/>
                 </a:defRPr>
               </a:pPr>
-              <a:endParaRPr lang="en-US"/>
+              <a:endParaRPr lang="pt-PT"/>
             </a:p>
           </c:txPr>
         </c:title>
@@ -4775,7 +4775,7 @@
                 <a:cs typeface="+mn-cs"/>
               </a:defRPr>
             </a:pPr>
-            <a:endParaRPr lang="en-US"/>
+            <a:endParaRPr lang="pt-PT"/>
           </a:p>
         </c:txPr>
         <c:crossAx val="601717024"/>
@@ -4808,7 +4808,7 @@
       <a:pPr>
         <a:defRPr/>
       </a:pPr>
-      <a:endParaRPr lang="en-US"/>
+      <a:endParaRPr lang="pt-PT"/>
     </a:p>
   </c:txPr>
   <c:externalData r:id="rId3">
@@ -4892,7 +4892,7 @@
               <a:cs typeface="+mn-cs"/>
             </a:defRPr>
           </a:pPr>
-          <a:endParaRPr lang="en-US"/>
+          <a:endParaRPr lang="pt-PT"/>
         </a:p>
       </c:txPr>
     </c:title>
@@ -4943,7 +4943,7 @@
                     <a:cs typeface="+mn-cs"/>
                   </a:defRPr>
                 </a:pPr>
-                <a:endParaRPr lang="en-US"/>
+                <a:endParaRPr lang="pt-PT"/>
               </a:p>
             </c:txPr>
             <c:dLblPos val="outEnd"/>
@@ -5109,7 +5109,7 @@
                   <a:cs typeface="+mn-cs"/>
                 </a:defRPr>
               </a:pPr>
-              <a:endParaRPr lang="en-US"/>
+              <a:endParaRPr lang="pt-PT"/>
             </a:p>
           </c:txPr>
         </c:title>
@@ -5147,7 +5147,7 @@
                 <a:cs typeface="+mn-cs"/>
               </a:defRPr>
             </a:pPr>
-            <a:endParaRPr lang="en-US"/>
+            <a:endParaRPr lang="pt-PT"/>
           </a:p>
         </c:txPr>
         <c:crossAx val="601689152"/>
@@ -5239,7 +5239,7 @@
                   <a:cs typeface="+mn-cs"/>
                 </a:defRPr>
               </a:pPr>
-              <a:endParaRPr lang="en-US"/>
+              <a:endParaRPr lang="pt-PT"/>
             </a:p>
           </c:txPr>
         </c:title>
@@ -5271,7 +5271,7 @@
                 <a:cs typeface="+mn-cs"/>
               </a:defRPr>
             </a:pPr>
-            <a:endParaRPr lang="en-US"/>
+            <a:endParaRPr lang="pt-PT"/>
           </a:p>
         </c:txPr>
         <c:crossAx val="601694976"/>
@@ -5304,7 +5304,7 @@
       <a:pPr>
         <a:defRPr/>
       </a:pPr>
-      <a:endParaRPr lang="en-US"/>
+      <a:endParaRPr lang="pt-PT"/>
     </a:p>
   </c:txPr>
   <c:externalData r:id="rId3">
@@ -5388,7 +5388,7 @@
               <a:cs typeface="+mn-cs"/>
             </a:defRPr>
           </a:pPr>
-          <a:endParaRPr lang="en-US"/>
+          <a:endParaRPr lang="pt-PT"/>
         </a:p>
       </c:txPr>
     </c:title>
@@ -5439,7 +5439,7 @@
                     <a:cs typeface="+mn-cs"/>
                   </a:defRPr>
                 </a:pPr>
-                <a:endParaRPr lang="en-US"/>
+                <a:endParaRPr lang="pt-PT"/>
               </a:p>
             </c:txPr>
             <c:dLblPos val="outEnd"/>
@@ -5605,7 +5605,7 @@
                   <a:cs typeface="+mn-cs"/>
                 </a:defRPr>
               </a:pPr>
-              <a:endParaRPr lang="en-US"/>
+              <a:endParaRPr lang="pt-PT"/>
             </a:p>
           </c:txPr>
         </c:title>
@@ -5643,7 +5643,7 @@
                 <a:cs typeface="+mn-cs"/>
               </a:defRPr>
             </a:pPr>
-            <a:endParaRPr lang="en-US"/>
+            <a:endParaRPr lang="pt-PT"/>
           </a:p>
         </c:txPr>
         <c:crossAx val="497476544"/>
@@ -5735,7 +5735,7 @@
                   <a:cs typeface="+mn-cs"/>
                 </a:defRPr>
               </a:pPr>
-              <a:endParaRPr lang="en-US"/>
+              <a:endParaRPr lang="pt-PT"/>
             </a:p>
           </c:txPr>
         </c:title>
@@ -5767,7 +5767,7 @@
                 <a:cs typeface="+mn-cs"/>
               </a:defRPr>
             </a:pPr>
-            <a:endParaRPr lang="en-US"/>
+            <a:endParaRPr lang="pt-PT"/>
           </a:p>
         </c:txPr>
         <c:crossAx val="497479872"/>
@@ -5800,7 +5800,7 @@
       <a:pPr>
         <a:defRPr/>
       </a:pPr>
-      <a:endParaRPr lang="en-US"/>
+      <a:endParaRPr lang="pt-PT"/>
     </a:p>
   </c:txPr>
   <c:externalData r:id="rId3">
@@ -16216,7 +16216,7 @@
         <p:spPr>
           <a:xfrm>
             <a:off x="839788" y="1178351"/>
-            <a:ext cx="10804254" cy="2887811"/>
+            <a:ext cx="10804254" cy="2807723"/>
           </a:xfrm>
         </p:spPr>
         <p:txBody>
@@ -16852,7 +16852,7 @@
             <a:pPr algn="just"/>
             <a:r>
               <a:rPr lang="pt-PT" dirty="0"/>
-              <a:t>	Para a implementação dos algoritmos foram usadas listas, mesmo para algoritmos que usar filas ou filas de prioridade na sua implementação, como é o caso do BFS e do A*, sendo que, nestes dois algoritmos, as listas são operadas de forma diferente.</a:t>
+              <a:t>	Para a implementação dos algoritmos foram usadas listas, mesmo para algoritmos que usam filas ou filas de prioridade na sua implementação, como é o caso do BFS e do A*, sendo que, nestes dois algoritmos, as listas são operadas de forma diferente.</a:t>
             </a:r>
           </a:p>
           <a:p>
@@ -17260,7 +17260,7 @@
             <a:pPr algn="ctr"/>
             <a:r>
               <a:rPr lang="pt-PT" b="1" dirty="0"/>
-              <a:t>Resultados Experimentais</a:t>
+              <a:t>Resultados experimentais</a:t>
             </a:r>
           </a:p>
         </p:txBody>

--- a/Apresentacao.pptx
+++ b/Apresentacao.pptx
@@ -4,6 +4,9 @@
   <p:sldMasterIdLst>
     <p:sldMasterId id="2147483648" r:id="rId1"/>
   </p:sldMasterIdLst>
+  <p:notesMasterIdLst>
+    <p:notesMasterId r:id="rId13"/>
+  </p:notesMasterIdLst>
   <p:sldIdLst>
     <p:sldId id="256" r:id="rId2"/>
     <p:sldId id="257" r:id="rId3"/>
@@ -11795,6 +11798,439 @@
 </cs:chartStyle>
 </file>
 
+<file path=ppt/notesMasters/notesMaster1.xml><?xml version="1.0" encoding="utf-8"?>
+<p:notesMaster xmlns:a="http://schemas.openxmlformats.org/drawingml/2006/main" xmlns:r="http://schemas.openxmlformats.org/officeDocument/2006/relationships" xmlns:p="http://schemas.openxmlformats.org/presentationml/2006/main">
+  <p:cSld>
+    <p:bg>
+      <p:bgRef idx="1001">
+        <a:schemeClr val="bg1"/>
+      </p:bgRef>
+    </p:bg>
+    <p:spTree>
+      <p:nvGrpSpPr>
+        <p:cNvPr id="1" name=""/>
+        <p:cNvGrpSpPr/>
+        <p:nvPr/>
+      </p:nvGrpSpPr>
+      <p:grpSpPr>
+        <a:xfrm>
+          <a:off x="0" y="0"/>
+          <a:ext cx="0" cy="0"/>
+          <a:chOff x="0" y="0"/>
+          <a:chExt cx="0" cy="0"/>
+        </a:xfrm>
+      </p:grpSpPr>
+      <p:sp>
+        <p:nvSpPr>
+          <p:cNvPr id="2" name="Marcador de Posição do Cabeçalho 1"/>
+          <p:cNvSpPr>
+            <a:spLocks noGrp="1"/>
+          </p:cNvSpPr>
+          <p:nvPr>
+            <p:ph type="hdr" sz="quarter"/>
+          </p:nvPr>
+        </p:nvSpPr>
+        <p:spPr>
+          <a:xfrm>
+            <a:off x="0" y="0"/>
+            <a:ext cx="2971800" cy="458788"/>
+          </a:xfrm>
+          <a:prstGeom prst="rect">
+            <a:avLst/>
+          </a:prstGeom>
+        </p:spPr>
+        <p:txBody>
+          <a:bodyPr vert="horz" lIns="91440" tIns="45720" rIns="91440" bIns="45720" rtlCol="0"/>
+          <a:lstStyle>
+            <a:lvl1pPr algn="l">
+              <a:defRPr sz="1200"/>
+            </a:lvl1pPr>
+          </a:lstStyle>
+          <a:p>
+            <a:endParaRPr lang="pt-PT"/>
+          </a:p>
+        </p:txBody>
+      </p:sp>
+      <p:sp>
+        <p:nvSpPr>
+          <p:cNvPr id="3" name="Marcador de Posição da Data 2"/>
+          <p:cNvSpPr>
+            <a:spLocks noGrp="1"/>
+          </p:cNvSpPr>
+          <p:nvPr>
+            <p:ph type="dt" idx="1"/>
+          </p:nvPr>
+        </p:nvSpPr>
+        <p:spPr>
+          <a:xfrm>
+            <a:off x="3884613" y="0"/>
+            <a:ext cx="2971800" cy="458788"/>
+          </a:xfrm>
+          <a:prstGeom prst="rect">
+            <a:avLst/>
+          </a:prstGeom>
+        </p:spPr>
+        <p:txBody>
+          <a:bodyPr vert="horz" lIns="91440" tIns="45720" rIns="91440" bIns="45720" rtlCol="0"/>
+          <a:lstStyle>
+            <a:lvl1pPr algn="r">
+              <a:defRPr sz="1200"/>
+            </a:lvl1pPr>
+          </a:lstStyle>
+          <a:p>
+            <a:fld id="{9E288D0B-C6D8-497B-9514-BC35B13AAABC}" type="datetimeFigureOut">
+              <a:rPr lang="pt-PT" smtClean="0"/>
+              <a:t>03/04/2021</a:t>
+            </a:fld>
+            <a:endParaRPr lang="pt-PT"/>
+          </a:p>
+        </p:txBody>
+      </p:sp>
+      <p:sp>
+        <p:nvSpPr>
+          <p:cNvPr id="4" name="Marcador de Posição da Imagem do Diapositivo 3"/>
+          <p:cNvSpPr>
+            <a:spLocks noGrp="1" noRot="1" noChangeAspect="1"/>
+          </p:cNvSpPr>
+          <p:nvPr>
+            <p:ph type="sldImg" idx="2"/>
+          </p:nvPr>
+        </p:nvSpPr>
+        <p:spPr>
+          <a:xfrm>
+            <a:off x="685800" y="1143000"/>
+            <a:ext cx="5486400" cy="3086100"/>
+          </a:xfrm>
+          <a:prstGeom prst="rect">
+            <a:avLst/>
+          </a:prstGeom>
+          <a:noFill/>
+          <a:ln w="12700">
+            <a:solidFill>
+              <a:prstClr val="black"/>
+            </a:solidFill>
+          </a:ln>
+        </p:spPr>
+        <p:txBody>
+          <a:bodyPr vert="horz" lIns="91440" tIns="45720" rIns="91440" bIns="45720" rtlCol="0" anchor="ctr"/>
+          <a:lstStyle/>
+          <a:p>
+            <a:endParaRPr lang="pt-PT"/>
+          </a:p>
+        </p:txBody>
+      </p:sp>
+      <p:sp>
+        <p:nvSpPr>
+          <p:cNvPr id="5" name="Marcador de Posição de Notas 4"/>
+          <p:cNvSpPr>
+            <a:spLocks noGrp="1"/>
+          </p:cNvSpPr>
+          <p:nvPr>
+            <p:ph type="body" sz="quarter" idx="3"/>
+          </p:nvPr>
+        </p:nvSpPr>
+        <p:spPr>
+          <a:xfrm>
+            <a:off x="685800" y="4400550"/>
+            <a:ext cx="5486400" cy="3600450"/>
+          </a:xfrm>
+          <a:prstGeom prst="rect">
+            <a:avLst/>
+          </a:prstGeom>
+        </p:spPr>
+        <p:txBody>
+          <a:bodyPr vert="horz" lIns="91440" tIns="45720" rIns="91440" bIns="45720" rtlCol="0"/>
+          <a:lstStyle/>
+          <a:p>
+            <a:pPr lvl="0"/>
+            <a:r>
+              <a:rPr lang="pt-PT"/>
+              <a:t>Clique para editar os estilos do texto de Modelo Global</a:t>
+            </a:r>
+          </a:p>
+          <a:p>
+            <a:pPr lvl="1"/>
+            <a:r>
+              <a:rPr lang="pt-PT"/>
+              <a:t>Segundo nível</a:t>
+            </a:r>
+          </a:p>
+          <a:p>
+            <a:pPr lvl="2"/>
+            <a:r>
+              <a:rPr lang="pt-PT"/>
+              <a:t>Terceiro nível</a:t>
+            </a:r>
+          </a:p>
+          <a:p>
+            <a:pPr lvl="3"/>
+            <a:r>
+              <a:rPr lang="pt-PT"/>
+              <a:t>Quarto nível</a:t>
+            </a:r>
+          </a:p>
+          <a:p>
+            <a:pPr lvl="4"/>
+            <a:r>
+              <a:rPr lang="pt-PT"/>
+              <a:t>Quinto nível</a:t>
+            </a:r>
+          </a:p>
+        </p:txBody>
+      </p:sp>
+      <p:sp>
+        <p:nvSpPr>
+          <p:cNvPr id="6" name="Marcador de Posição do Rodapé 5"/>
+          <p:cNvSpPr>
+            <a:spLocks noGrp="1"/>
+          </p:cNvSpPr>
+          <p:nvPr>
+            <p:ph type="ftr" sz="quarter" idx="4"/>
+          </p:nvPr>
+        </p:nvSpPr>
+        <p:spPr>
+          <a:xfrm>
+            <a:off x="0" y="8685213"/>
+            <a:ext cx="2971800" cy="458787"/>
+          </a:xfrm>
+          <a:prstGeom prst="rect">
+            <a:avLst/>
+          </a:prstGeom>
+        </p:spPr>
+        <p:txBody>
+          <a:bodyPr vert="horz" lIns="91440" tIns="45720" rIns="91440" bIns="45720" rtlCol="0" anchor="b"/>
+          <a:lstStyle>
+            <a:lvl1pPr algn="l">
+              <a:defRPr sz="1200"/>
+            </a:lvl1pPr>
+          </a:lstStyle>
+          <a:p>
+            <a:endParaRPr lang="pt-PT"/>
+          </a:p>
+        </p:txBody>
+      </p:sp>
+      <p:sp>
+        <p:nvSpPr>
+          <p:cNvPr id="7" name="Marcador de Posição do Número do Diapositivo 6"/>
+          <p:cNvSpPr>
+            <a:spLocks noGrp="1"/>
+          </p:cNvSpPr>
+          <p:nvPr>
+            <p:ph type="sldNum" sz="quarter" idx="5"/>
+          </p:nvPr>
+        </p:nvSpPr>
+        <p:spPr>
+          <a:xfrm>
+            <a:off x="3884613" y="8685213"/>
+            <a:ext cx="2971800" cy="458787"/>
+          </a:xfrm>
+          <a:prstGeom prst="rect">
+            <a:avLst/>
+          </a:prstGeom>
+        </p:spPr>
+        <p:txBody>
+          <a:bodyPr vert="horz" lIns="91440" tIns="45720" rIns="91440" bIns="45720" rtlCol="0" anchor="b"/>
+          <a:lstStyle>
+            <a:lvl1pPr algn="r">
+              <a:defRPr sz="1200"/>
+            </a:lvl1pPr>
+          </a:lstStyle>
+          <a:p>
+            <a:fld id="{F036E3EF-B213-448A-8927-8C35F3FC935A}" type="slidenum">
+              <a:rPr lang="pt-PT" smtClean="0"/>
+              <a:t>‹nº›</a:t>
+            </a:fld>
+            <a:endParaRPr lang="pt-PT"/>
+          </a:p>
+        </p:txBody>
+      </p:sp>
+    </p:spTree>
+    <p:extLst>
+      <p:ext uri="{BB962C8B-B14F-4D97-AF65-F5344CB8AC3E}">
+        <p14:creationId xmlns:p14="http://schemas.microsoft.com/office/powerpoint/2010/main" val="1263973917"/>
+      </p:ext>
+    </p:extLst>
+  </p:cSld>
+  <p:clrMap bg1="lt1" tx1="dk1" bg2="lt2" tx2="dk2" accent1="accent1" accent2="accent2" accent3="accent3" accent4="accent4" accent5="accent5" accent6="accent6" hlink="hlink" folHlink="folHlink"/>
+  <p:notesStyle>
+    <a:lvl1pPr marL="0" algn="l" defTabSz="914400" rtl="0" eaLnBrk="1" latinLnBrk="0" hangingPunct="1">
+      <a:defRPr sz="1200" kern="1200">
+        <a:solidFill>
+          <a:schemeClr val="tx1"/>
+        </a:solidFill>
+        <a:latin typeface="+mn-lt"/>
+        <a:ea typeface="+mn-ea"/>
+        <a:cs typeface="+mn-cs"/>
+      </a:defRPr>
+    </a:lvl1pPr>
+    <a:lvl2pPr marL="457200" algn="l" defTabSz="914400" rtl="0" eaLnBrk="1" latinLnBrk="0" hangingPunct="1">
+      <a:defRPr sz="1200" kern="1200">
+        <a:solidFill>
+          <a:schemeClr val="tx1"/>
+        </a:solidFill>
+        <a:latin typeface="+mn-lt"/>
+        <a:ea typeface="+mn-ea"/>
+        <a:cs typeface="+mn-cs"/>
+      </a:defRPr>
+    </a:lvl2pPr>
+    <a:lvl3pPr marL="914400" algn="l" defTabSz="914400" rtl="0" eaLnBrk="1" latinLnBrk="0" hangingPunct="1">
+      <a:defRPr sz="1200" kern="1200">
+        <a:solidFill>
+          <a:schemeClr val="tx1"/>
+        </a:solidFill>
+        <a:latin typeface="+mn-lt"/>
+        <a:ea typeface="+mn-ea"/>
+        <a:cs typeface="+mn-cs"/>
+      </a:defRPr>
+    </a:lvl3pPr>
+    <a:lvl4pPr marL="1371600" algn="l" defTabSz="914400" rtl="0" eaLnBrk="1" latinLnBrk="0" hangingPunct="1">
+      <a:defRPr sz="1200" kern="1200">
+        <a:solidFill>
+          <a:schemeClr val="tx1"/>
+        </a:solidFill>
+        <a:latin typeface="+mn-lt"/>
+        <a:ea typeface="+mn-ea"/>
+        <a:cs typeface="+mn-cs"/>
+      </a:defRPr>
+    </a:lvl4pPr>
+    <a:lvl5pPr marL="1828800" algn="l" defTabSz="914400" rtl="0" eaLnBrk="1" latinLnBrk="0" hangingPunct="1">
+      <a:defRPr sz="1200" kern="1200">
+        <a:solidFill>
+          <a:schemeClr val="tx1"/>
+        </a:solidFill>
+        <a:latin typeface="+mn-lt"/>
+        <a:ea typeface="+mn-ea"/>
+        <a:cs typeface="+mn-cs"/>
+      </a:defRPr>
+    </a:lvl5pPr>
+    <a:lvl6pPr marL="2286000" algn="l" defTabSz="914400" rtl="0" eaLnBrk="1" latinLnBrk="0" hangingPunct="1">
+      <a:defRPr sz="1200" kern="1200">
+        <a:solidFill>
+          <a:schemeClr val="tx1"/>
+        </a:solidFill>
+        <a:latin typeface="+mn-lt"/>
+        <a:ea typeface="+mn-ea"/>
+        <a:cs typeface="+mn-cs"/>
+      </a:defRPr>
+    </a:lvl6pPr>
+    <a:lvl7pPr marL="2743200" algn="l" defTabSz="914400" rtl="0" eaLnBrk="1" latinLnBrk="0" hangingPunct="1">
+      <a:defRPr sz="1200" kern="1200">
+        <a:solidFill>
+          <a:schemeClr val="tx1"/>
+        </a:solidFill>
+        <a:latin typeface="+mn-lt"/>
+        <a:ea typeface="+mn-ea"/>
+        <a:cs typeface="+mn-cs"/>
+      </a:defRPr>
+    </a:lvl7pPr>
+    <a:lvl8pPr marL="3200400" algn="l" defTabSz="914400" rtl="0" eaLnBrk="1" latinLnBrk="0" hangingPunct="1">
+      <a:defRPr sz="1200" kern="1200">
+        <a:solidFill>
+          <a:schemeClr val="tx1"/>
+        </a:solidFill>
+        <a:latin typeface="+mn-lt"/>
+        <a:ea typeface="+mn-ea"/>
+        <a:cs typeface="+mn-cs"/>
+      </a:defRPr>
+    </a:lvl8pPr>
+    <a:lvl9pPr marL="3657600" algn="l" defTabSz="914400" rtl="0" eaLnBrk="1" latinLnBrk="0" hangingPunct="1">
+      <a:defRPr sz="1200" kern="1200">
+        <a:solidFill>
+          <a:schemeClr val="tx1"/>
+        </a:solidFill>
+        <a:latin typeface="+mn-lt"/>
+        <a:ea typeface="+mn-ea"/>
+        <a:cs typeface="+mn-cs"/>
+      </a:defRPr>
+    </a:lvl9pPr>
+  </p:notesStyle>
+</p:notesMaster>
+</file>
+
+<file path=ppt/notesSlides/notesSlide1.xml><?xml version="1.0" encoding="utf-8"?>
+<p:notes xmlns:a="http://schemas.openxmlformats.org/drawingml/2006/main" xmlns:r="http://schemas.openxmlformats.org/officeDocument/2006/relationships" xmlns:p="http://schemas.openxmlformats.org/presentationml/2006/main">
+  <p:cSld>
+    <p:spTree>
+      <p:nvGrpSpPr>
+        <p:cNvPr id="1" name=""/>
+        <p:cNvGrpSpPr/>
+        <p:nvPr/>
+      </p:nvGrpSpPr>
+      <p:grpSpPr>
+        <a:xfrm>
+          <a:off x="0" y="0"/>
+          <a:ext cx="0" cy="0"/>
+          <a:chOff x="0" y="0"/>
+          <a:chExt cx="0" cy="0"/>
+        </a:xfrm>
+      </p:grpSpPr>
+      <p:sp>
+        <p:nvSpPr>
+          <p:cNvPr id="2" name="Marcador de Posição da Imagem do Diapositivo 1"/>
+          <p:cNvSpPr>
+            <a:spLocks noGrp="1" noRot="1" noChangeAspect="1"/>
+          </p:cNvSpPr>
+          <p:nvPr>
+            <p:ph type="sldImg"/>
+          </p:nvPr>
+        </p:nvSpPr>
+        <p:spPr/>
+      </p:sp>
+      <p:sp>
+        <p:nvSpPr>
+          <p:cNvPr id="3" name="Marcador de Posição de Notas 2"/>
+          <p:cNvSpPr>
+            <a:spLocks noGrp="1"/>
+          </p:cNvSpPr>
+          <p:nvPr>
+            <p:ph type="body" idx="1"/>
+          </p:nvPr>
+        </p:nvSpPr>
+        <p:spPr/>
+        <p:txBody>
+          <a:bodyPr/>
+          <a:lstStyle/>
+          <a:p>
+            <a:endParaRPr lang="pt-PT" dirty="0"/>
+          </a:p>
+        </p:txBody>
+      </p:sp>
+      <p:sp>
+        <p:nvSpPr>
+          <p:cNvPr id="4" name="Marcador de Posição do Número do Diapositivo 3"/>
+          <p:cNvSpPr>
+            <a:spLocks noGrp="1"/>
+          </p:cNvSpPr>
+          <p:nvPr>
+            <p:ph type="sldNum" sz="quarter" idx="5"/>
+          </p:nvPr>
+        </p:nvSpPr>
+        <p:spPr/>
+        <p:txBody>
+          <a:bodyPr/>
+          <a:lstStyle/>
+          <a:p>
+            <a:fld id="{F036E3EF-B213-448A-8927-8C35F3FC935A}" type="slidenum">
+              <a:rPr lang="pt-PT" smtClean="0"/>
+              <a:t>8</a:t>
+            </a:fld>
+            <a:endParaRPr lang="pt-PT"/>
+          </a:p>
+        </p:txBody>
+      </p:sp>
+    </p:spTree>
+    <p:extLst>
+      <p:ext uri="{BB962C8B-B14F-4D97-AF65-F5344CB8AC3E}">
+        <p14:creationId xmlns:p14="http://schemas.microsoft.com/office/powerpoint/2010/main" val="3133518482"/>
+      </p:ext>
+    </p:extLst>
+  </p:cSld>
+  <p:clrMapOvr>
+    <a:masterClrMapping/>
+  </p:clrMapOvr>
+</p:notes>
+</file>
+
 <file path=ppt/slideLayouts/slideLayout1.xml><?xml version="1.0" encoding="utf-8"?>
 <p:sldLayout xmlns:a="http://schemas.openxmlformats.org/drawingml/2006/main" xmlns:r="http://schemas.openxmlformats.org/officeDocument/2006/relationships" xmlns:p="http://schemas.openxmlformats.org/presentationml/2006/main" type="title" preserve="1">
   <p:cSld name="Diapositivo de título">
@@ -14984,7 +15420,7 @@
               <a:rPr lang="pt-PT" dirty="0">
                 <a:cs typeface="Calibri"/>
               </a:rPr>
-              <a:t> é o mais rápido a encontrar uma solução dado procurar uma solução baseando-se numa heurística sem se preocupar com a sua </a:t>
+              <a:t> é o mais rápido a encontrar uma solução, dado procurar uma solução baseando-se numa heurística, sem se preocupar com a sua </a:t>
             </a:r>
             <a:r>
               <a:rPr lang="pt-PT" dirty="0" err="1">
@@ -15336,6 +15772,23 @@
           </a:p>
           <a:p>
             <a:pPr marL="285750" indent="-285750">
+              <a:buChar char="•"/>
+            </a:pPr>
+            <a:r>
+              <a:rPr lang="pt-PT" dirty="0">
+                <a:ea typeface="+mn-lt"/>
+                <a:cs typeface="+mn-lt"/>
+                <a:hlinkClick r:id="rId4"/>
+              </a:rPr>
+              <a:t>https://pygame-menu.readthedocs.io/en/4.0.1/</a:t>
+            </a:r>
+            <a:endParaRPr lang="pt-PT" dirty="0">
+              <a:ea typeface="+mn-lt"/>
+              <a:cs typeface="+mn-lt"/>
+            </a:endParaRPr>
+          </a:p>
+          <a:p>
+            <a:pPr marL="285750" indent="-285750">
               <a:buFont typeface="Arial" panose="020B0604020202020204" pitchFamily="34" charset="0"/>
               <a:buChar char="•"/>
             </a:pPr>
@@ -16275,7 +16728,7 @@
               <a:rPr lang="pt-PT" dirty="0">
                 <a:cs typeface="Calibri" panose="020F0502020204030204"/>
               </a:rPr>
-              <a:t>, </a:t>
+              <a:t>: </a:t>
             </a:r>
             <a:r>
               <a:rPr lang="pt-PT" dirty="0" err="1">
@@ -16587,7 +17040,7 @@
               <a:rPr lang="pt-PT" dirty="0">
                 <a:cs typeface="Calibri"/>
               </a:rPr>
-              <a:t>Foram implementados todos os algoritmos dados nas aulas, ou seja,  BFS (</a:t>
+              <a:t>Foram implementados todos os algoritmos de pesquisa dados nas aulas, ou seja,  BFS (</a:t>
             </a:r>
             <a:r>
               <a:rPr lang="pt-PT" dirty="0" err="1">
@@ -16802,12 +17255,14 @@
         </p:nvSpPr>
         <p:spPr>
           <a:xfrm>
-            <a:off x="839788" y="1461154"/>
-            <a:ext cx="10585499" cy="4407833"/>
+            <a:off x="839788" y="1461155"/>
+            <a:ext cx="10585499" cy="2311856"/>
           </a:xfrm>
         </p:spPr>
         <p:txBody>
-          <a:bodyPr/>
+          <a:bodyPr>
+            <a:normAutofit lnSpcReduction="10000"/>
+          </a:bodyPr>
           <a:lstStyle/>
           <a:p>
             <a:pPr algn="just"/>
@@ -16871,7 +17326,7 @@
             </a:r>
             <a:r>
               <a:rPr lang="pt-PT" dirty="0" err="1"/>
-              <a:t>python</a:t>
+              <a:t>Python</a:t>
             </a:r>
             <a:r>
               <a:rPr lang="pt-PT" dirty="0"/>
@@ -16948,6 +17403,74 @@
           </a:prstGeom>
         </p:spPr>
       </p:pic>
+      <p:sp>
+        <p:nvSpPr>
+          <p:cNvPr id="2" name="CaixaDeTexto 1">
+            <a:extLst>
+              <a:ext uri="{FF2B5EF4-FFF2-40B4-BE49-F238E27FC236}">
+                <a16:creationId xmlns:a16="http://schemas.microsoft.com/office/drawing/2014/main" id="{C0EFD416-611D-4F5E-848F-A2B0AC7FD5DB}"/>
+              </a:ext>
+            </a:extLst>
+          </p:cNvPr>
+          <p:cNvSpPr txBox="1"/>
+          <p:nvPr/>
+        </p:nvSpPr>
+        <p:spPr>
+          <a:xfrm>
+            <a:off x="839788" y="3914295"/>
+            <a:ext cx="4935985" cy="1323439"/>
+          </a:xfrm>
+          <a:prstGeom prst="rect">
+            <a:avLst/>
+          </a:prstGeom>
+          <a:noFill/>
+        </p:spPr>
+        <p:txBody>
+          <a:bodyPr wrap="square" rtlCol="0">
+            <a:spAutoFit/>
+          </a:bodyPr>
+          <a:lstStyle/>
+          <a:p>
+            <a:pPr algn="just"/>
+            <a:r>
+              <a:rPr lang="pt-PT" sz="1600" dirty="0"/>
+              <a:t>	Foi também implementado um sistema de geração de puzzles aleatórios que utilizam o algoritmo </a:t>
+            </a:r>
+            <a:r>
+              <a:rPr lang="pt-PT" sz="1600" dirty="0" err="1"/>
+              <a:t>Greedy</a:t>
+            </a:r>
+            <a:r>
+              <a:rPr lang="pt-PT" sz="1600" dirty="0"/>
+              <a:t> </a:t>
+            </a:r>
+            <a:r>
+              <a:rPr lang="pt-PT" sz="1600" dirty="0" err="1"/>
+              <a:t>Search</a:t>
+            </a:r>
+            <a:r>
+              <a:rPr lang="pt-PT" sz="1600" dirty="0"/>
+              <a:t>, de modo a verificar se o puzzle é possível, assim como o algoritmo A* (com a “</a:t>
+            </a:r>
+            <a:r>
+              <a:rPr lang="pt-PT" sz="1600" dirty="0" err="1"/>
+              <a:t>fast</a:t>
+            </a:r>
+            <a:r>
+              <a:rPr lang="pt-PT" sz="1600" dirty="0"/>
+              <a:t>” </a:t>
+            </a:r>
+            <a:r>
+              <a:rPr lang="pt-PT" sz="1600" dirty="0" err="1"/>
+              <a:t>heuristics</a:t>
+            </a:r>
+            <a:r>
+              <a:rPr lang="pt-PT" sz="1600" dirty="0"/>
+              <a:t>) para verificar a complexidade do tabuleiro gerado.</a:t>
+            </a:r>
+          </a:p>
+        </p:txBody>
+      </p:sp>
     </p:spTree>
     <p:extLst>
       <p:ext uri="{BB962C8B-B14F-4D97-AF65-F5344CB8AC3E}">
@@ -17036,7 +17559,7 @@
         </p:xfrm>
         <a:graphic>
           <a:graphicData uri="http://schemas.openxmlformats.org/drawingml/2006/chart">
-            <c:chart xmlns:c="http://schemas.openxmlformats.org/drawingml/2006/chart" xmlns:r="http://schemas.openxmlformats.org/officeDocument/2006/relationships" r:id="rId2"/>
+            <c:chart xmlns:c="http://schemas.openxmlformats.org/drawingml/2006/chart" xmlns:r="http://schemas.openxmlformats.org/officeDocument/2006/relationships" r:id="rId3"/>
           </a:graphicData>
         </a:graphic>
       </p:graphicFrame>
@@ -17064,7 +17587,7 @@
         </p:xfrm>
         <a:graphic>
           <a:graphicData uri="http://schemas.openxmlformats.org/drawingml/2006/chart">
-            <c:chart xmlns:c="http://schemas.openxmlformats.org/drawingml/2006/chart" xmlns:r="http://schemas.openxmlformats.org/officeDocument/2006/relationships" r:id="rId3"/>
+            <c:chart xmlns:c="http://schemas.openxmlformats.org/drawingml/2006/chart" xmlns:r="http://schemas.openxmlformats.org/officeDocument/2006/relationships" r:id="rId4"/>
           </a:graphicData>
         </a:graphic>
       </p:graphicFrame>
@@ -17092,7 +17615,7 @@
         </p:xfrm>
         <a:graphic>
           <a:graphicData uri="http://schemas.openxmlformats.org/drawingml/2006/chart">
-            <c:chart xmlns:c="http://schemas.openxmlformats.org/drawingml/2006/chart" xmlns:r="http://schemas.openxmlformats.org/officeDocument/2006/relationships" r:id="rId4"/>
+            <c:chart xmlns:c="http://schemas.openxmlformats.org/drawingml/2006/chart" xmlns:r="http://schemas.openxmlformats.org/officeDocument/2006/relationships" r:id="rId5"/>
           </a:graphicData>
         </a:graphic>
       </p:graphicFrame>
@@ -17120,7 +17643,7 @@
         </p:xfrm>
         <a:graphic>
           <a:graphicData uri="http://schemas.openxmlformats.org/drawingml/2006/chart">
-            <c:chart xmlns:c="http://schemas.openxmlformats.org/drawingml/2006/chart" xmlns:r="http://schemas.openxmlformats.org/officeDocument/2006/relationships" r:id="rId5"/>
+            <c:chart xmlns:c="http://schemas.openxmlformats.org/drawingml/2006/chart" xmlns:r="http://schemas.openxmlformats.org/officeDocument/2006/relationships" r:id="rId6"/>
           </a:graphicData>
         </a:graphic>
       </p:graphicFrame>
@@ -17148,7 +17671,7 @@
         </p:xfrm>
         <a:graphic>
           <a:graphicData uri="http://schemas.openxmlformats.org/drawingml/2006/chart">
-            <c:chart xmlns:c="http://schemas.openxmlformats.org/drawingml/2006/chart" xmlns:r="http://schemas.openxmlformats.org/officeDocument/2006/relationships" r:id="rId6"/>
+            <c:chart xmlns:c="http://schemas.openxmlformats.org/drawingml/2006/chart" xmlns:r="http://schemas.openxmlformats.org/officeDocument/2006/relationships" r:id="rId7"/>
           </a:graphicData>
         </a:graphic>
       </p:graphicFrame>
@@ -17176,10 +17699,96 @@
         </p:xfrm>
         <a:graphic>
           <a:graphicData uri="http://schemas.openxmlformats.org/drawingml/2006/chart">
-            <c:chart xmlns:c="http://schemas.openxmlformats.org/drawingml/2006/chart" xmlns:r="http://schemas.openxmlformats.org/officeDocument/2006/relationships" r:id="rId7"/>
+            <c:chart xmlns:c="http://schemas.openxmlformats.org/drawingml/2006/chart" xmlns:r="http://schemas.openxmlformats.org/officeDocument/2006/relationships" r:id="rId8"/>
           </a:graphicData>
         </a:graphic>
       </p:graphicFrame>
+      <p:sp>
+        <p:nvSpPr>
+          <p:cNvPr id="2" name="CaixaDeTexto 1">
+            <a:extLst>
+              <a:ext uri="{FF2B5EF4-FFF2-40B4-BE49-F238E27FC236}">
+                <a16:creationId xmlns:a16="http://schemas.microsoft.com/office/drawing/2014/main" id="{2F8CF5CC-98D9-4CEC-B152-A3A01AE61C9C}"/>
+              </a:ext>
+            </a:extLst>
+          </p:cNvPr>
+          <p:cNvSpPr txBox="1"/>
+          <p:nvPr/>
+        </p:nvSpPr>
+        <p:spPr>
+          <a:xfrm>
+            <a:off x="606009" y="5921406"/>
+            <a:ext cx="9532290" cy="307777"/>
+          </a:xfrm>
+          <a:prstGeom prst="rect">
+            <a:avLst/>
+          </a:prstGeom>
+          <a:noFill/>
+        </p:spPr>
+        <p:txBody>
+          <a:bodyPr wrap="square" rtlCol="0">
+            <a:spAutoFit/>
+          </a:bodyPr>
+          <a:lstStyle/>
+          <a:p>
+            <a:pPr marL="0" marR="0" lvl="0" indent="0" algn="l" defTabSz="914400" rtl="0" eaLnBrk="0" fontAlgn="base" latinLnBrk="0" hangingPunct="0">
+              <a:lnSpc>
+                <a:spcPct val="100000"/>
+              </a:lnSpc>
+              <a:spcBef>
+                <a:spcPct val="0"/>
+              </a:spcBef>
+              <a:spcAft>
+                <a:spcPct val="0"/>
+              </a:spcAft>
+              <a:buClrTx/>
+              <a:buSzTx/>
+              <a:buFontTx/>
+              <a:buNone/>
+              <a:tabLst/>
+            </a:pPr>
+            <a:r>
+              <a:rPr kumimoji="0" lang="pt-PT" altLang="pt-PT" sz="1400" b="0" i="0" u="none" strike="noStrike" cap="none" normalizeH="0" baseline="0" dirty="0">
+                <a:ln>
+                  <a:noFill/>
+                </a:ln>
+                <a:solidFill>
+                  <a:schemeClr val="tx1"/>
+                </a:solidFill>
+                <a:effectLst/>
+                <a:latin typeface="inherit"/>
+              </a:rPr>
+              <a:t>*Estes gráficos foram obtidos </a:t>
+            </a:r>
+            <a:r>
+              <a:rPr kumimoji="0" lang="pt-PT" altLang="pt-PT" sz="1400" b="0" i="0" u="none" strike="noStrike" cap="none" normalizeH="0" baseline="0" dirty="0" err="1">
+                <a:ln>
+                  <a:noFill/>
+                </a:ln>
+                <a:solidFill>
+                  <a:schemeClr val="tx1"/>
+                </a:solidFill>
+                <a:effectLst/>
+                <a:latin typeface="inherit"/>
+              </a:rPr>
+              <a:t>atráves</a:t>
+            </a:r>
+            <a:r>
+              <a:rPr kumimoji="0" lang="pt-PT" altLang="pt-PT" sz="1400" b="0" i="0" u="none" strike="noStrike" cap="none" normalizeH="0" baseline="0" dirty="0">
+                <a:ln>
+                  <a:noFill/>
+                </a:ln>
+                <a:solidFill>
+                  <a:schemeClr val="tx1"/>
+                </a:solidFill>
+                <a:effectLst/>
+                <a:latin typeface="inherit"/>
+              </a:rPr>
+              <a:t> do tratamento dos dados das tabelas enviadas em anexo (IART_grupo34_docs.zip)</a:t>
+            </a:r>
+          </a:p>
+        </p:txBody>
+      </p:sp>
     </p:spTree>
     <p:extLst>
       <p:ext uri="{BB962C8B-B14F-4D97-AF65-F5344CB8AC3E}">
@@ -17677,4 +18286,299 @@
     </a:ext>
   </a:extLst>
 </a:theme>
+</file>
+
+<file path=ppt/theme/theme2.xml><?xml version="1.0" encoding="utf-8"?>
+<a:theme xmlns:a="http://schemas.openxmlformats.org/drawingml/2006/main" name="Tema do Office">
+  <a:themeElements>
+    <a:clrScheme name="Office">
+      <a:dk1>
+        <a:sysClr val="windowText" lastClr="000000"/>
+      </a:dk1>
+      <a:lt1>
+        <a:sysClr val="window" lastClr="FFFFFF"/>
+      </a:lt1>
+      <a:dk2>
+        <a:srgbClr val="44546A"/>
+      </a:dk2>
+      <a:lt2>
+        <a:srgbClr val="E7E6E6"/>
+      </a:lt2>
+      <a:accent1>
+        <a:srgbClr val="4472C4"/>
+      </a:accent1>
+      <a:accent2>
+        <a:srgbClr val="ED7D31"/>
+      </a:accent2>
+      <a:accent3>
+        <a:srgbClr val="A5A5A5"/>
+      </a:accent3>
+      <a:accent4>
+        <a:srgbClr val="FFC000"/>
+      </a:accent4>
+      <a:accent5>
+        <a:srgbClr val="5B9BD5"/>
+      </a:accent5>
+      <a:accent6>
+        <a:srgbClr val="70AD47"/>
+      </a:accent6>
+      <a:hlink>
+        <a:srgbClr val="0563C1"/>
+      </a:hlink>
+      <a:folHlink>
+        <a:srgbClr val="954F72"/>
+      </a:folHlink>
+    </a:clrScheme>
+    <a:fontScheme name="Office">
+      <a:majorFont>
+        <a:latin typeface="Calibri Light" panose="020F0302020204030204"/>
+        <a:ea typeface=""/>
+        <a:cs typeface=""/>
+        <a:font script="Jpan" typeface="游ゴシック Light"/>
+        <a:font script="Hang" typeface="맑은 고딕"/>
+        <a:font script="Hans" typeface="等线 Light"/>
+        <a:font script="Hant" typeface="新細明體"/>
+        <a:font script="Arab" typeface="Times New Roman"/>
+        <a:font script="Hebr" typeface="Times New Roman"/>
+        <a:font script="Thai" typeface="Angsana New"/>
+        <a:font script="Ethi" typeface="Nyala"/>
+        <a:font script="Beng" typeface="Vrinda"/>
+        <a:font script="Gujr" typeface="Shruti"/>
+        <a:font script="Khmr" typeface="MoolBoran"/>
+        <a:font script="Knda" typeface="Tunga"/>
+        <a:font script="Guru" typeface="Raavi"/>
+        <a:font script="Cans" typeface="Euphemia"/>
+        <a:font script="Cher" typeface="Plantagenet Cherokee"/>
+        <a:font script="Yiii" typeface="Microsoft Yi Baiti"/>
+        <a:font script="Tibt" typeface="Microsoft Himalaya"/>
+        <a:font script="Thaa" typeface="MV Boli"/>
+        <a:font script="Deva" typeface="Mangal"/>
+        <a:font script="Telu" typeface="Gautami"/>
+        <a:font script="Taml" typeface="Latha"/>
+        <a:font script="Syrc" typeface="Estrangelo Edessa"/>
+        <a:font script="Orya" typeface="Kalinga"/>
+        <a:font script="Mlym" typeface="Kartika"/>
+        <a:font script="Laoo" typeface="DokChampa"/>
+        <a:font script="Sinh" typeface="Iskoola Pota"/>
+        <a:font script="Mong" typeface="Mongolian Baiti"/>
+        <a:font script="Viet" typeface="Times New Roman"/>
+        <a:font script="Uigh" typeface="Microsoft Uighur"/>
+        <a:font script="Geor" typeface="Sylfaen"/>
+        <a:font script="Armn" typeface="Arial"/>
+        <a:font script="Bugi" typeface="Leelawadee UI"/>
+        <a:font script="Bopo" typeface="Microsoft JhengHei"/>
+        <a:font script="Java" typeface="Javanese Text"/>
+        <a:font script="Lisu" typeface="Segoe UI"/>
+        <a:font script="Mymr" typeface="Myanmar Text"/>
+        <a:font script="Nkoo" typeface="Ebrima"/>
+        <a:font script="Olck" typeface="Nirmala UI"/>
+        <a:font script="Osma" typeface="Ebrima"/>
+        <a:font script="Phag" typeface="Phagspa"/>
+        <a:font script="Syrn" typeface="Estrangelo Edessa"/>
+        <a:font script="Syrj" typeface="Estrangelo Edessa"/>
+        <a:font script="Syre" typeface="Estrangelo Edessa"/>
+        <a:font script="Sora" typeface="Nirmala UI"/>
+        <a:font script="Tale" typeface="Microsoft Tai Le"/>
+        <a:font script="Talu" typeface="Microsoft New Tai Lue"/>
+        <a:font script="Tfng" typeface="Ebrima"/>
+      </a:majorFont>
+      <a:minorFont>
+        <a:latin typeface="Calibri" panose="020F0502020204030204"/>
+        <a:ea typeface=""/>
+        <a:cs typeface=""/>
+        <a:font script="Jpan" typeface="游ゴシック"/>
+        <a:font script="Hang" typeface="맑은 고딕"/>
+        <a:font script="Hans" typeface="等线"/>
+        <a:font script="Hant" typeface="新細明體"/>
+        <a:font script="Arab" typeface="Arial"/>
+        <a:font script="Hebr" typeface="Arial"/>
+        <a:font script="Thai" typeface="Cordia New"/>
+        <a:font script="Ethi" typeface="Nyala"/>
+        <a:font script="Beng" typeface="Vrinda"/>
+        <a:font script="Gujr" typeface="Shruti"/>
+        <a:font script="Khmr" typeface="DaunPenh"/>
+        <a:font script="Knda" typeface="Tunga"/>
+        <a:font script="Guru" typeface="Raavi"/>
+        <a:font script="Cans" typeface="Euphemia"/>
+        <a:font script="Cher" typeface="Plantagenet Cherokee"/>
+        <a:font script="Yiii" typeface="Microsoft Yi Baiti"/>
+        <a:font script="Tibt" typeface="Microsoft Himalaya"/>
+        <a:font script="Thaa" typeface="MV Boli"/>
+        <a:font script="Deva" typeface="Mangal"/>
+        <a:font script="Telu" typeface="Gautami"/>
+        <a:font script="Taml" typeface="Latha"/>
+        <a:font script="Syrc" typeface="Estrangelo Edessa"/>
+        <a:font script="Orya" typeface="Kalinga"/>
+        <a:font script="Mlym" typeface="Kartika"/>
+        <a:font script="Laoo" typeface="DokChampa"/>
+        <a:font script="Sinh" typeface="Iskoola Pota"/>
+        <a:font script="Mong" typeface="Mongolian Baiti"/>
+        <a:font script="Viet" typeface="Arial"/>
+        <a:font script="Uigh" typeface="Microsoft Uighur"/>
+        <a:font script="Geor" typeface="Sylfaen"/>
+        <a:font script="Armn" typeface="Arial"/>
+        <a:font script="Bugi" typeface="Leelawadee UI"/>
+        <a:font script="Bopo" typeface="Microsoft JhengHei"/>
+        <a:font script="Java" typeface="Javanese Text"/>
+        <a:font script="Lisu" typeface="Segoe UI"/>
+        <a:font script="Mymr" typeface="Myanmar Text"/>
+        <a:font script="Nkoo" typeface="Ebrima"/>
+        <a:font script="Olck" typeface="Nirmala UI"/>
+        <a:font script="Osma" typeface="Ebrima"/>
+        <a:font script="Phag" typeface="Phagspa"/>
+        <a:font script="Syrn" typeface="Estrangelo Edessa"/>
+        <a:font script="Syrj" typeface="Estrangelo Edessa"/>
+        <a:font script="Syre" typeface="Estrangelo Edessa"/>
+        <a:font script="Sora" typeface="Nirmala UI"/>
+        <a:font script="Tale" typeface="Microsoft Tai Le"/>
+        <a:font script="Talu" typeface="Microsoft New Tai Lue"/>
+        <a:font script="Tfng" typeface="Ebrima"/>
+      </a:minorFont>
+    </a:fontScheme>
+    <a:fmtScheme name="Office">
+      <a:fillStyleLst>
+        <a:solidFill>
+          <a:schemeClr val="phClr"/>
+        </a:solidFill>
+        <a:gradFill rotWithShape="1">
+          <a:gsLst>
+            <a:gs pos="0">
+              <a:schemeClr val="phClr">
+                <a:lumMod val="110000"/>
+                <a:satMod val="105000"/>
+                <a:tint val="67000"/>
+              </a:schemeClr>
+            </a:gs>
+            <a:gs pos="50000">
+              <a:schemeClr val="phClr">
+                <a:lumMod val="105000"/>
+                <a:satMod val="103000"/>
+                <a:tint val="73000"/>
+              </a:schemeClr>
+            </a:gs>
+            <a:gs pos="100000">
+              <a:schemeClr val="phClr">
+                <a:lumMod val="105000"/>
+                <a:satMod val="109000"/>
+                <a:tint val="81000"/>
+              </a:schemeClr>
+            </a:gs>
+          </a:gsLst>
+          <a:lin ang="5400000" scaled="0"/>
+        </a:gradFill>
+        <a:gradFill rotWithShape="1">
+          <a:gsLst>
+            <a:gs pos="0">
+              <a:schemeClr val="phClr">
+                <a:satMod val="103000"/>
+                <a:lumMod val="102000"/>
+                <a:tint val="94000"/>
+              </a:schemeClr>
+            </a:gs>
+            <a:gs pos="50000">
+              <a:schemeClr val="phClr">
+                <a:satMod val="110000"/>
+                <a:lumMod val="100000"/>
+                <a:shade val="100000"/>
+              </a:schemeClr>
+            </a:gs>
+            <a:gs pos="100000">
+              <a:schemeClr val="phClr">
+                <a:lumMod val="99000"/>
+                <a:satMod val="120000"/>
+                <a:shade val="78000"/>
+              </a:schemeClr>
+            </a:gs>
+          </a:gsLst>
+          <a:lin ang="5400000" scaled="0"/>
+        </a:gradFill>
+      </a:fillStyleLst>
+      <a:lnStyleLst>
+        <a:ln w="6350" cap="flat" cmpd="sng" algn="ctr">
+          <a:solidFill>
+            <a:schemeClr val="phClr"/>
+          </a:solidFill>
+          <a:prstDash val="solid"/>
+          <a:miter lim="800000"/>
+        </a:ln>
+        <a:ln w="12700" cap="flat" cmpd="sng" algn="ctr">
+          <a:solidFill>
+            <a:schemeClr val="phClr"/>
+          </a:solidFill>
+          <a:prstDash val="solid"/>
+          <a:miter lim="800000"/>
+        </a:ln>
+        <a:ln w="19050" cap="flat" cmpd="sng" algn="ctr">
+          <a:solidFill>
+            <a:schemeClr val="phClr"/>
+          </a:solidFill>
+          <a:prstDash val="solid"/>
+          <a:miter lim="800000"/>
+        </a:ln>
+      </a:lnStyleLst>
+      <a:effectStyleLst>
+        <a:effectStyle>
+          <a:effectLst/>
+        </a:effectStyle>
+        <a:effectStyle>
+          <a:effectLst/>
+        </a:effectStyle>
+        <a:effectStyle>
+          <a:effectLst>
+            <a:outerShdw blurRad="57150" dist="19050" dir="5400000" algn="ctr" rotWithShape="0">
+              <a:srgbClr val="000000">
+                <a:alpha val="63000"/>
+              </a:srgbClr>
+            </a:outerShdw>
+          </a:effectLst>
+        </a:effectStyle>
+      </a:effectStyleLst>
+      <a:bgFillStyleLst>
+        <a:solidFill>
+          <a:schemeClr val="phClr"/>
+        </a:solidFill>
+        <a:solidFill>
+          <a:schemeClr val="phClr">
+            <a:tint val="95000"/>
+            <a:satMod val="170000"/>
+          </a:schemeClr>
+        </a:solidFill>
+        <a:gradFill rotWithShape="1">
+          <a:gsLst>
+            <a:gs pos="0">
+              <a:schemeClr val="phClr">
+                <a:tint val="93000"/>
+                <a:satMod val="150000"/>
+                <a:shade val="98000"/>
+                <a:lumMod val="102000"/>
+              </a:schemeClr>
+            </a:gs>
+            <a:gs pos="50000">
+              <a:schemeClr val="phClr">
+                <a:tint val="98000"/>
+                <a:satMod val="130000"/>
+                <a:shade val="90000"/>
+                <a:lumMod val="103000"/>
+              </a:schemeClr>
+            </a:gs>
+            <a:gs pos="100000">
+              <a:schemeClr val="phClr">
+                <a:shade val="63000"/>
+                <a:satMod val="120000"/>
+              </a:schemeClr>
+            </a:gs>
+          </a:gsLst>
+          <a:lin ang="5400000" scaled="0"/>
+        </a:gradFill>
+      </a:bgFillStyleLst>
+    </a:fmtScheme>
+  </a:themeElements>
+  <a:objectDefaults/>
+  <a:extraClrSchemeLst/>
+  <a:extLst>
+    <a:ext uri="{05A4C25C-085E-4340-85A3-A5531E510DB2}">
+      <thm15:themeFamily xmlns:thm15="http://schemas.microsoft.com/office/thememl/2012/main" name="Office Theme" id="{62F939B6-93AF-4DB8-9C6B-D6C7DFDC589F}" vid="{4A3C46E8-61CC-4603-A589-7422A47A8E4A}"/>
+    </a:ext>
+  </a:extLst>
+</a:theme>
 </file>